--- a/20220721_저에너지활용연구워크숍_송영호.pptx
+++ b/20220721_저에너지활용연구워크숍_송영호.pptx
@@ -9,10 +9,10 @@
     <p:sldMasterId id="2147483772" r:id="rId5"/>
   </p:sldMasterIdLst>
   <p:notesMasterIdLst>
-    <p:notesMasterId r:id="rId34"/>
+    <p:notesMasterId r:id="rId33"/>
   </p:notesMasterIdLst>
   <p:handoutMasterIdLst>
-    <p:handoutMasterId r:id="rId35"/>
+    <p:handoutMasterId r:id="rId34"/>
   </p:handoutMasterIdLst>
   <p:sldIdLst>
     <p:sldId id="269" r:id="rId6"/>
@@ -24,25 +24,24 @@
     <p:sldId id="527" r:id="rId12"/>
     <p:sldId id="550" r:id="rId13"/>
     <p:sldId id="559" r:id="rId14"/>
-    <p:sldId id="561" r:id="rId15"/>
-    <p:sldId id="557" r:id="rId16"/>
-    <p:sldId id="558" r:id="rId17"/>
-    <p:sldId id="529" r:id="rId18"/>
-    <p:sldId id="563" r:id="rId19"/>
-    <p:sldId id="564" r:id="rId20"/>
-    <p:sldId id="546" r:id="rId21"/>
-    <p:sldId id="528" r:id="rId22"/>
-    <p:sldId id="571" r:id="rId23"/>
-    <p:sldId id="566" r:id="rId24"/>
-    <p:sldId id="562" r:id="rId25"/>
-    <p:sldId id="573" r:id="rId26"/>
-    <p:sldId id="535" r:id="rId27"/>
-    <p:sldId id="536" r:id="rId28"/>
-    <p:sldId id="537" r:id="rId29"/>
-    <p:sldId id="538" r:id="rId30"/>
-    <p:sldId id="540" r:id="rId31"/>
-    <p:sldId id="544" r:id="rId32"/>
-    <p:sldId id="572" r:id="rId33"/>
+    <p:sldId id="557" r:id="rId15"/>
+    <p:sldId id="558" r:id="rId16"/>
+    <p:sldId id="529" r:id="rId17"/>
+    <p:sldId id="563" r:id="rId18"/>
+    <p:sldId id="564" r:id="rId19"/>
+    <p:sldId id="546" r:id="rId20"/>
+    <p:sldId id="528" r:id="rId21"/>
+    <p:sldId id="571" r:id="rId22"/>
+    <p:sldId id="566" r:id="rId23"/>
+    <p:sldId id="562" r:id="rId24"/>
+    <p:sldId id="573" r:id="rId25"/>
+    <p:sldId id="535" r:id="rId26"/>
+    <p:sldId id="536" r:id="rId27"/>
+    <p:sldId id="537" r:id="rId28"/>
+    <p:sldId id="538" r:id="rId29"/>
+    <p:sldId id="540" r:id="rId30"/>
+    <p:sldId id="544" r:id="rId31"/>
+    <p:sldId id="572" r:id="rId32"/>
   </p:sldIdLst>
   <p:sldSz cx="9906000" cy="6858000" type="A4"/>
   <p:notesSz cx="6735763" cy="9866313"/>
@@ -155,7 +154,6 @@
             <p14:sldId id="527"/>
             <p14:sldId id="550"/>
             <p14:sldId id="559"/>
-            <p14:sldId id="561"/>
             <p14:sldId id="557"/>
             <p14:sldId id="558"/>
             <p14:sldId id="529"/>
@@ -341,7 +339,7 @@
           <a:p>
             <a:fld id="{46F42610-14FF-4B40-B4B6-786DE4FB8FEA}" type="datetime1">
               <a:rPr lang="ko-KR" altLang="en-US" smtClean="0"/>
-              <a:t>2022-07-22</a:t>
+              <a:t>2022-10-19</a:t>
             </a:fld>
             <a:endParaRPr lang="ko-KR" altLang="en-US"/>
           </a:p>
@@ -507,7 +505,7 @@
           <a:p>
             <a:fld id="{513A899E-F476-4791-9F16-0B14047B11F2}" type="datetime1">
               <a:rPr lang="ko-KR" altLang="en-US" smtClean="0"/>
-              <a:t>2022-07-22</a:t>
+              <a:t>2022-10-19</a:t>
             </a:fld>
             <a:endParaRPr lang="ko-KR" altLang="en-US"/>
           </a:p>
@@ -973,7 +971,7 @@
           <a:p>
             <a:fld id="{D5BB7A41-6D90-4371-844A-87EC379C3D06}" type="datetimeFigureOut">
               <a:rPr lang="ko-KR" altLang="en-US" smtClean="0"/>
-              <a:t>2022-07-22</a:t>
+              <a:t>2022-10-19</a:t>
             </a:fld>
             <a:endParaRPr lang="ko-KR" altLang="en-US"/>
           </a:p>
@@ -1321,7 +1319,7 @@
             <a:fld id="{1D8BD707-D9CF-40AE-B4C6-C98DA3205C09}" type="datetimeFigureOut">
               <a:rPr lang="en-US" smtClean="0"/>
               <a:pPr defTabSz="914400" latinLnBrk="0"/>
-              <a:t>7/22/2022</a:t>
+              <a:t>10/19/2022</a:t>
             </a:fld>
             <a:endParaRPr lang="en-US"/>
           </a:p>
@@ -1531,7 +1529,7 @@
             <a:fld id="{1D8BD707-D9CF-40AE-B4C6-C98DA3205C09}" type="datetimeFigureOut">
               <a:rPr lang="en-US" smtClean="0"/>
               <a:pPr defTabSz="914400" latinLnBrk="0"/>
-              <a:t>7/22/2022</a:t>
+              <a:t>10/19/2022</a:t>
             </a:fld>
             <a:endParaRPr lang="en-US"/>
           </a:p>
@@ -1789,7 +1787,7 @@
             <a:fld id="{1D8BD707-D9CF-40AE-B4C6-C98DA3205C09}" type="datetimeFigureOut">
               <a:rPr lang="en-US" smtClean="0"/>
               <a:pPr defTabSz="914400" latinLnBrk="0"/>
-              <a:t>7/22/2022</a:t>
+              <a:t>10/19/2022</a:t>
             </a:fld>
             <a:endParaRPr lang="en-US"/>
           </a:p>
@@ -2117,7 +2115,7 @@
             <a:fld id="{1D8BD707-D9CF-40AE-B4C6-C98DA3205C09}" type="datetimeFigureOut">
               <a:rPr lang="en-US" smtClean="0"/>
               <a:pPr defTabSz="914400" latinLnBrk="0"/>
-              <a:t>7/22/2022</a:t>
+              <a:t>10/19/2022</a:t>
             </a:fld>
             <a:endParaRPr lang="en-US"/>
           </a:p>
@@ -2593,7 +2591,7 @@
             <a:fld id="{1D8BD707-D9CF-40AE-B4C6-C98DA3205C09}" type="datetimeFigureOut">
               <a:rPr lang="en-US" smtClean="0"/>
               <a:pPr defTabSz="914400" latinLnBrk="0"/>
-              <a:t>7/22/2022</a:t>
+              <a:t>10/19/2022</a:t>
             </a:fld>
             <a:endParaRPr lang="en-US"/>
           </a:p>
@@ -2751,7 +2749,7 @@
             <a:fld id="{1D8BD707-D9CF-40AE-B4C6-C98DA3205C09}" type="datetimeFigureOut">
               <a:rPr lang="en-US" smtClean="0"/>
               <a:pPr defTabSz="914400" latinLnBrk="0"/>
-              <a:t>7/22/2022</a:t>
+              <a:t>10/19/2022</a:t>
             </a:fld>
             <a:endParaRPr lang="en-US"/>
           </a:p>
@@ -2851,7 +2849,7 @@
             <a:fld id="{1D8BD707-D9CF-40AE-B4C6-C98DA3205C09}" type="datetimeFigureOut">
               <a:rPr lang="en-US" smtClean="0"/>
               <a:pPr defTabSz="914400" latinLnBrk="0"/>
-              <a:t>7/22/2022</a:t>
+              <a:t>10/19/2022</a:t>
             </a:fld>
             <a:endParaRPr lang="en-US"/>
           </a:p>
@@ -3009,7 +3007,7 @@
           <a:p>
             <a:fld id="{D5BB7A41-6D90-4371-844A-87EC379C3D06}" type="datetimeFigureOut">
               <a:rPr lang="ko-KR" altLang="en-US" smtClean="0"/>
-              <a:t>2022-07-22</a:t>
+              <a:t>2022-10-19</a:t>
             </a:fld>
             <a:endParaRPr lang="ko-KR" altLang="en-US"/>
           </a:p>
@@ -3290,7 +3288,7 @@
             <a:fld id="{1D8BD707-D9CF-40AE-B4C6-C98DA3205C09}" type="datetimeFigureOut">
               <a:rPr lang="en-US" smtClean="0"/>
               <a:pPr defTabSz="914400" latinLnBrk="0"/>
-              <a:t>7/22/2022</a:t>
+              <a:t>10/19/2022</a:t>
             </a:fld>
             <a:endParaRPr lang="en-US"/>
           </a:p>
@@ -3605,7 +3603,7 @@
             <a:fld id="{1D8BD707-D9CF-40AE-B4C6-C98DA3205C09}" type="datetimeFigureOut">
               <a:rPr lang="en-US" smtClean="0"/>
               <a:pPr defTabSz="914400" latinLnBrk="0"/>
-              <a:t>7/22/2022</a:t>
+              <a:t>10/19/2022</a:t>
             </a:fld>
             <a:endParaRPr lang="en-US"/>
           </a:p>
@@ -3780,7 +3778,7 @@
             <a:fld id="{1D8BD707-D9CF-40AE-B4C6-C98DA3205C09}" type="datetimeFigureOut">
               <a:rPr lang="en-US" smtClean="0"/>
               <a:pPr defTabSz="914400" latinLnBrk="0"/>
-              <a:t>7/22/2022</a:t>
+              <a:t>10/19/2022</a:t>
             </a:fld>
             <a:endParaRPr lang="en-US"/>
           </a:p>
@@ -3965,7 +3963,7 @@
             <a:fld id="{1D8BD707-D9CF-40AE-B4C6-C98DA3205C09}" type="datetimeFigureOut">
               <a:rPr lang="en-US" smtClean="0"/>
               <a:pPr defTabSz="914400" latinLnBrk="0"/>
-              <a:t>7/22/2022</a:t>
+              <a:t>10/19/2022</a:t>
             </a:fld>
             <a:endParaRPr lang="en-US"/>
           </a:p>
@@ -4219,7 +4217,7 @@
             <a:fld id="{1D8BD707-D9CF-40AE-B4C6-C98DA3205C09}" type="datetimeFigureOut">
               <a:rPr lang="en-US" smtClean="0"/>
               <a:pPr defTabSz="914400" latinLnBrk="0"/>
-              <a:t>7/22/2022</a:t>
+              <a:t>10/19/2022</a:t>
             </a:fld>
             <a:endParaRPr lang="en-US"/>
           </a:p>
@@ -4429,7 +4427,7 @@
             <a:fld id="{1D8BD707-D9CF-40AE-B4C6-C98DA3205C09}" type="datetimeFigureOut">
               <a:rPr lang="en-US" smtClean="0"/>
               <a:pPr defTabSz="914400" latinLnBrk="0"/>
-              <a:t>7/22/2022</a:t>
+              <a:t>10/19/2022</a:t>
             </a:fld>
             <a:endParaRPr lang="en-US"/>
           </a:p>
@@ -4687,7 +4685,7 @@
             <a:fld id="{1D8BD707-D9CF-40AE-B4C6-C98DA3205C09}" type="datetimeFigureOut">
               <a:rPr lang="en-US" smtClean="0"/>
               <a:pPr defTabSz="914400" latinLnBrk="0"/>
-              <a:t>7/22/2022</a:t>
+              <a:t>10/19/2022</a:t>
             </a:fld>
             <a:endParaRPr lang="en-US"/>
           </a:p>
@@ -5015,7 +5013,7 @@
             <a:fld id="{1D8BD707-D9CF-40AE-B4C6-C98DA3205C09}" type="datetimeFigureOut">
               <a:rPr lang="en-US" smtClean="0"/>
               <a:pPr defTabSz="914400" latinLnBrk="0"/>
-              <a:t>7/22/2022</a:t>
+              <a:t>10/19/2022</a:t>
             </a:fld>
             <a:endParaRPr lang="en-US"/>
           </a:p>
@@ -5491,7 +5489,7 @@
             <a:fld id="{1D8BD707-D9CF-40AE-B4C6-C98DA3205C09}" type="datetimeFigureOut">
               <a:rPr lang="en-US" smtClean="0"/>
               <a:pPr defTabSz="914400" latinLnBrk="0"/>
-              <a:t>7/22/2022</a:t>
+              <a:t>10/19/2022</a:t>
             </a:fld>
             <a:endParaRPr lang="en-US"/>
           </a:p>
@@ -5649,7 +5647,7 @@
             <a:fld id="{1D8BD707-D9CF-40AE-B4C6-C98DA3205C09}" type="datetimeFigureOut">
               <a:rPr lang="en-US" smtClean="0"/>
               <a:pPr defTabSz="914400" latinLnBrk="0"/>
-              <a:t>7/22/2022</a:t>
+              <a:t>10/19/2022</a:t>
             </a:fld>
             <a:endParaRPr lang="en-US"/>
           </a:p>
@@ -5902,7 +5900,7 @@
           <a:p>
             <a:fld id="{D5BB7A41-6D90-4371-844A-87EC379C3D06}" type="datetimeFigureOut">
               <a:rPr lang="ko-KR" altLang="en-US" smtClean="0"/>
-              <a:t>2022-07-22</a:t>
+              <a:t>2022-10-19</a:t>
             </a:fld>
             <a:endParaRPr lang="ko-KR" altLang="en-US"/>
           </a:p>
@@ -5999,7 +5997,7 @@
             <a:fld id="{1D8BD707-D9CF-40AE-B4C6-C98DA3205C09}" type="datetimeFigureOut">
               <a:rPr lang="en-US" smtClean="0"/>
               <a:pPr defTabSz="914400" latinLnBrk="0"/>
-              <a:t>7/22/2022</a:t>
+              <a:t>10/19/2022</a:t>
             </a:fld>
             <a:endParaRPr lang="en-US"/>
           </a:p>
@@ -6283,7 +6281,7 @@
             <a:fld id="{1D8BD707-D9CF-40AE-B4C6-C98DA3205C09}" type="datetimeFigureOut">
               <a:rPr lang="en-US" smtClean="0"/>
               <a:pPr defTabSz="914400" latinLnBrk="0"/>
-              <a:t>7/22/2022</a:t>
+              <a:t>10/19/2022</a:t>
             </a:fld>
             <a:endParaRPr lang="en-US"/>
           </a:p>
@@ -6598,7 +6596,7 @@
             <a:fld id="{1D8BD707-D9CF-40AE-B4C6-C98DA3205C09}" type="datetimeFigureOut">
               <a:rPr lang="en-US" smtClean="0"/>
               <a:pPr defTabSz="914400" latinLnBrk="0"/>
-              <a:t>7/22/2022</a:t>
+              <a:t>10/19/2022</a:t>
             </a:fld>
             <a:endParaRPr lang="en-US"/>
           </a:p>
@@ -6773,7 +6771,7 @@
             <a:fld id="{1D8BD707-D9CF-40AE-B4C6-C98DA3205C09}" type="datetimeFigureOut">
               <a:rPr lang="en-US" smtClean="0"/>
               <a:pPr defTabSz="914400" latinLnBrk="0"/>
-              <a:t>7/22/2022</a:t>
+              <a:t>10/19/2022</a:t>
             </a:fld>
             <a:endParaRPr lang="en-US"/>
           </a:p>
@@ -6958,7 +6956,7 @@
             <a:fld id="{1D8BD707-D9CF-40AE-B4C6-C98DA3205C09}" type="datetimeFigureOut">
               <a:rPr lang="en-US" smtClean="0"/>
               <a:pPr defTabSz="914400" latinLnBrk="0"/>
-              <a:t>7/22/2022</a:t>
+              <a:t>10/19/2022</a:t>
             </a:fld>
             <a:endParaRPr lang="en-US"/>
           </a:p>
@@ -7212,7 +7210,7 @@
             <a:fld id="{1D8BD707-D9CF-40AE-B4C6-C98DA3205C09}" type="datetimeFigureOut">
               <a:rPr lang="en-US" smtClean="0"/>
               <a:pPr defTabSz="914400" latinLnBrk="0"/>
-              <a:t>7/22/2022</a:t>
+              <a:t>10/19/2022</a:t>
             </a:fld>
             <a:endParaRPr lang="en-US"/>
           </a:p>
@@ -7422,7 +7420,7 @@
             <a:fld id="{1D8BD707-D9CF-40AE-B4C6-C98DA3205C09}" type="datetimeFigureOut">
               <a:rPr lang="en-US" smtClean="0"/>
               <a:pPr defTabSz="914400" latinLnBrk="0"/>
-              <a:t>7/22/2022</a:t>
+              <a:t>10/19/2022</a:t>
             </a:fld>
             <a:endParaRPr lang="en-US"/>
           </a:p>
@@ -7680,7 +7678,7 @@
             <a:fld id="{1D8BD707-D9CF-40AE-B4C6-C98DA3205C09}" type="datetimeFigureOut">
               <a:rPr lang="en-US" smtClean="0"/>
               <a:pPr defTabSz="914400" latinLnBrk="0"/>
-              <a:t>7/22/2022</a:t>
+              <a:t>10/19/2022</a:t>
             </a:fld>
             <a:endParaRPr lang="en-US"/>
           </a:p>
@@ -8008,7 +8006,7 @@
             <a:fld id="{1D8BD707-D9CF-40AE-B4C6-C98DA3205C09}" type="datetimeFigureOut">
               <a:rPr lang="en-US" smtClean="0"/>
               <a:pPr defTabSz="914400" latinLnBrk="0"/>
-              <a:t>7/22/2022</a:t>
+              <a:t>10/19/2022</a:t>
             </a:fld>
             <a:endParaRPr lang="en-US"/>
           </a:p>
@@ -8484,7 +8482,7 @@
             <a:fld id="{1D8BD707-D9CF-40AE-B4C6-C98DA3205C09}" type="datetimeFigureOut">
               <a:rPr lang="en-US" smtClean="0"/>
               <a:pPr defTabSz="914400" latinLnBrk="0"/>
-              <a:t>7/22/2022</a:t>
+              <a:t>10/19/2022</a:t>
             </a:fld>
             <a:endParaRPr lang="en-US"/>
           </a:p>
@@ -8768,7 +8766,7 @@
           <a:p>
             <a:fld id="{D5BB7A41-6D90-4371-844A-87EC379C3D06}" type="datetimeFigureOut">
               <a:rPr lang="ko-KR" altLang="en-US" smtClean="0"/>
-              <a:t>2022-07-22</a:t>
+              <a:t>2022-10-19</a:t>
             </a:fld>
             <a:endParaRPr lang="ko-KR" altLang="en-US"/>
           </a:p>
@@ -8888,7 +8886,7 @@
             <a:fld id="{1D8BD707-D9CF-40AE-B4C6-C98DA3205C09}" type="datetimeFigureOut">
               <a:rPr lang="en-US" smtClean="0"/>
               <a:pPr defTabSz="914400" latinLnBrk="0"/>
-              <a:t>7/22/2022</a:t>
+              <a:t>10/19/2022</a:t>
             </a:fld>
             <a:endParaRPr lang="en-US"/>
           </a:p>
@@ -8988,7 +8986,7 @@
             <a:fld id="{1D8BD707-D9CF-40AE-B4C6-C98DA3205C09}" type="datetimeFigureOut">
               <a:rPr lang="en-US" smtClean="0"/>
               <a:pPr defTabSz="914400" latinLnBrk="0"/>
-              <a:t>7/22/2022</a:t>
+              <a:t>10/19/2022</a:t>
             </a:fld>
             <a:endParaRPr lang="en-US"/>
           </a:p>
@@ -9272,7 +9270,7 @@
             <a:fld id="{1D8BD707-D9CF-40AE-B4C6-C98DA3205C09}" type="datetimeFigureOut">
               <a:rPr lang="en-US" smtClean="0"/>
               <a:pPr defTabSz="914400" latinLnBrk="0"/>
-              <a:t>7/22/2022</a:t>
+              <a:t>10/19/2022</a:t>
             </a:fld>
             <a:endParaRPr lang="en-US"/>
           </a:p>
@@ -9587,7 +9585,7 @@
             <a:fld id="{1D8BD707-D9CF-40AE-B4C6-C98DA3205C09}" type="datetimeFigureOut">
               <a:rPr lang="en-US" smtClean="0"/>
               <a:pPr defTabSz="914400" latinLnBrk="0"/>
-              <a:t>7/22/2022</a:t>
+              <a:t>10/19/2022</a:t>
             </a:fld>
             <a:endParaRPr lang="en-US"/>
           </a:p>
@@ -9762,7 +9760,7 @@
             <a:fld id="{1D8BD707-D9CF-40AE-B4C6-C98DA3205C09}" type="datetimeFigureOut">
               <a:rPr lang="en-US" smtClean="0"/>
               <a:pPr defTabSz="914400" latinLnBrk="0"/>
-              <a:t>7/22/2022</a:t>
+              <a:t>10/19/2022</a:t>
             </a:fld>
             <a:endParaRPr lang="en-US"/>
           </a:p>
@@ -9947,7 +9945,7 @@
             <a:fld id="{1D8BD707-D9CF-40AE-B4C6-C98DA3205C09}" type="datetimeFigureOut">
               <a:rPr lang="en-US" smtClean="0"/>
               <a:pPr defTabSz="914400" latinLnBrk="0"/>
-              <a:t>7/22/2022</a:t>
+              <a:t>10/19/2022</a:t>
             </a:fld>
             <a:endParaRPr lang="en-US"/>
           </a:p>
@@ -10201,7 +10199,7 @@
             <a:fld id="{1D8BD707-D9CF-40AE-B4C6-C98DA3205C09}" type="datetimeFigureOut">
               <a:rPr lang="en-US" smtClean="0"/>
               <a:pPr defTabSz="914400" latinLnBrk="0"/>
-              <a:t>7/22/2022</a:t>
+              <a:t>10/19/2022</a:t>
             </a:fld>
             <a:endParaRPr lang="en-US"/>
           </a:p>
@@ -10411,7 +10409,7 @@
             <a:fld id="{1D8BD707-D9CF-40AE-B4C6-C98DA3205C09}" type="datetimeFigureOut">
               <a:rPr lang="en-US" smtClean="0"/>
               <a:pPr defTabSz="914400" latinLnBrk="0"/>
-              <a:t>7/22/2022</a:t>
+              <a:t>10/19/2022</a:t>
             </a:fld>
             <a:endParaRPr lang="en-US"/>
           </a:p>
@@ -10669,7 +10667,7 @@
             <a:fld id="{1D8BD707-D9CF-40AE-B4C6-C98DA3205C09}" type="datetimeFigureOut">
               <a:rPr lang="en-US" smtClean="0"/>
               <a:pPr defTabSz="914400" latinLnBrk="0"/>
-              <a:t>7/22/2022</a:t>
+              <a:t>10/19/2022</a:t>
             </a:fld>
             <a:endParaRPr lang="en-US"/>
           </a:p>
@@ -10997,7 +10995,7 @@
             <a:fld id="{1D8BD707-D9CF-40AE-B4C6-C98DA3205C09}" type="datetimeFigureOut">
               <a:rPr lang="en-US" smtClean="0"/>
               <a:pPr defTabSz="914400" latinLnBrk="0"/>
-              <a:t>7/22/2022</a:t>
+              <a:t>10/19/2022</a:t>
             </a:fld>
             <a:endParaRPr lang="en-US"/>
           </a:p>
@@ -11382,7 +11380,7 @@
           <a:p>
             <a:fld id="{D5BB7A41-6D90-4371-844A-87EC379C3D06}" type="datetimeFigureOut">
               <a:rPr lang="ko-KR" altLang="en-US" smtClean="0"/>
-              <a:t>2022-07-22</a:t>
+              <a:t>2022-10-19</a:t>
             </a:fld>
             <a:endParaRPr lang="ko-KR" altLang="en-US"/>
           </a:p>
@@ -11855,7 +11853,7 @@
             <a:fld id="{1D8BD707-D9CF-40AE-B4C6-C98DA3205C09}" type="datetimeFigureOut">
               <a:rPr lang="en-US" smtClean="0"/>
               <a:pPr defTabSz="914400" latinLnBrk="0"/>
-              <a:t>7/22/2022</a:t>
+              <a:t>10/19/2022</a:t>
             </a:fld>
             <a:endParaRPr lang="en-US"/>
           </a:p>
@@ -12013,7 +12011,7 @@
             <a:fld id="{1D8BD707-D9CF-40AE-B4C6-C98DA3205C09}" type="datetimeFigureOut">
               <a:rPr lang="en-US" smtClean="0"/>
               <a:pPr defTabSz="914400" latinLnBrk="0"/>
-              <a:t>7/22/2022</a:t>
+              <a:t>10/19/2022</a:t>
             </a:fld>
             <a:endParaRPr lang="en-US"/>
           </a:p>
@@ -12113,7 +12111,7 @@
             <a:fld id="{1D8BD707-D9CF-40AE-B4C6-C98DA3205C09}" type="datetimeFigureOut">
               <a:rPr lang="en-US" smtClean="0"/>
               <a:pPr defTabSz="914400" latinLnBrk="0"/>
-              <a:t>7/22/2022</a:t>
+              <a:t>10/19/2022</a:t>
             </a:fld>
             <a:endParaRPr lang="en-US"/>
           </a:p>
@@ -12397,7 +12395,7 @@
             <a:fld id="{1D8BD707-D9CF-40AE-B4C6-C98DA3205C09}" type="datetimeFigureOut">
               <a:rPr lang="en-US" smtClean="0"/>
               <a:pPr defTabSz="914400" latinLnBrk="0"/>
-              <a:t>7/22/2022</a:t>
+              <a:t>10/19/2022</a:t>
             </a:fld>
             <a:endParaRPr lang="en-US"/>
           </a:p>
@@ -12712,7 +12710,7 @@
             <a:fld id="{1D8BD707-D9CF-40AE-B4C6-C98DA3205C09}" type="datetimeFigureOut">
               <a:rPr lang="en-US" smtClean="0"/>
               <a:pPr defTabSz="914400" latinLnBrk="0"/>
-              <a:t>7/22/2022</a:t>
+              <a:t>10/19/2022</a:t>
             </a:fld>
             <a:endParaRPr lang="en-US"/>
           </a:p>
@@ -12887,7 +12885,7 @@
             <a:fld id="{1D8BD707-D9CF-40AE-B4C6-C98DA3205C09}" type="datetimeFigureOut">
               <a:rPr lang="en-US" smtClean="0"/>
               <a:pPr defTabSz="914400" latinLnBrk="0"/>
-              <a:t>7/22/2022</a:t>
+              <a:t>10/19/2022</a:t>
             </a:fld>
             <a:endParaRPr lang="en-US"/>
           </a:p>
@@ -13072,7 +13070,7 @@
             <a:fld id="{1D8BD707-D9CF-40AE-B4C6-C98DA3205C09}" type="datetimeFigureOut">
               <a:rPr lang="en-US" smtClean="0"/>
               <a:pPr defTabSz="914400" latinLnBrk="0"/>
-              <a:t>7/22/2022</a:t>
+              <a:t>10/19/2022</a:t>
             </a:fld>
             <a:endParaRPr lang="en-US"/>
           </a:p>
@@ -13201,7 +13199,7 @@
           <a:p>
             <a:fld id="{D5BB7A41-6D90-4371-844A-87EC379C3D06}" type="datetimeFigureOut">
               <a:rPr lang="ko-KR" altLang="en-US" smtClean="0"/>
-              <a:t>2022-07-22</a:t>
+              <a:t>2022-10-19</a:t>
             </a:fld>
             <a:endParaRPr lang="ko-KR" altLang="en-US"/>
           </a:p>
@@ -13296,7 +13294,7 @@
           <a:p>
             <a:fld id="{D5BB7A41-6D90-4371-844A-87EC379C3D06}" type="datetimeFigureOut">
               <a:rPr lang="ko-KR" altLang="en-US" smtClean="0"/>
-              <a:t>2022-07-22</a:t>
+              <a:t>2022-10-19</a:t>
             </a:fld>
             <a:endParaRPr lang="ko-KR" altLang="en-US"/>
           </a:p>
@@ -13582,7 +13580,7 @@
           <a:p>
             <a:fld id="{D5BB7A41-6D90-4371-844A-87EC379C3D06}" type="datetimeFigureOut">
               <a:rPr lang="ko-KR" altLang="en-US" smtClean="0"/>
-              <a:t>2022-07-22</a:t>
+              <a:t>2022-10-19</a:t>
             </a:fld>
             <a:endParaRPr lang="ko-KR" altLang="en-US"/>
           </a:p>
@@ -13730,7 +13728,7 @@
           <a:p>
             <a:fld id="{D5BB7A41-6D90-4371-844A-87EC379C3D06}" type="datetimeFigureOut">
               <a:rPr lang="ko-KR" altLang="en-US" smtClean="0"/>
-              <a:t>2022-07-22</a:t>
+              <a:t>2022-10-19</a:t>
             </a:fld>
             <a:endParaRPr lang="ko-KR" altLang="en-US"/>
           </a:p>
@@ -14565,7 +14563,7 @@
             <a:fld id="{1D8BD707-D9CF-40AE-B4C6-C98DA3205C09}" type="datetimeFigureOut">
               <a:rPr lang="en-US" smtClean="0"/>
               <a:pPr defTabSz="914400" latinLnBrk="0"/>
-              <a:t>7/22/2022</a:t>
+              <a:t>10/19/2022</a:t>
             </a:fld>
             <a:endParaRPr lang="en-US"/>
           </a:p>
@@ -15255,7 +15253,7 @@
             <a:fld id="{1D8BD707-D9CF-40AE-B4C6-C98DA3205C09}" type="datetimeFigureOut">
               <a:rPr lang="en-US" smtClean="0"/>
               <a:pPr defTabSz="914400" latinLnBrk="0"/>
-              <a:t>7/22/2022</a:t>
+              <a:t>10/19/2022</a:t>
             </a:fld>
             <a:endParaRPr lang="en-US"/>
           </a:p>
@@ -15945,7 +15943,7 @@
             <a:fld id="{1D8BD707-D9CF-40AE-B4C6-C98DA3205C09}" type="datetimeFigureOut">
               <a:rPr lang="en-US" smtClean="0"/>
               <a:pPr defTabSz="914400" latinLnBrk="0"/>
-              <a:t>7/22/2022</a:t>
+              <a:t>10/19/2022</a:t>
             </a:fld>
             <a:endParaRPr lang="en-US"/>
           </a:p>
@@ -16635,7 +16633,7 @@
             <a:fld id="{1D8BD707-D9CF-40AE-B4C6-C98DA3205C09}" type="datetimeFigureOut">
               <a:rPr lang="en-US" smtClean="0"/>
               <a:pPr defTabSz="914400" latinLnBrk="0"/>
-              <a:t>7/22/2022</a:t>
+              <a:t>10/19/2022</a:t>
             </a:fld>
             <a:endParaRPr lang="en-US"/>
           </a:p>
@@ -17403,135 +17401,6 @@
         </p:nvSpPr>
         <p:spPr/>
         <p:txBody>
-          <a:bodyPr/>
-          <a:lstStyle/>
-          <a:p>
-            <a:endParaRPr lang="ko-KR" altLang="en-US"/>
-          </a:p>
-        </p:txBody>
-      </p:sp>
-      <p:sp>
-        <p:nvSpPr>
-          <p:cNvPr id="3" name="내용 개체 틀 2"/>
-          <p:cNvSpPr>
-            <a:spLocks noGrp="1"/>
-          </p:cNvSpPr>
-          <p:nvPr>
-            <p:ph idx="1"/>
-          </p:nvPr>
-        </p:nvSpPr>
-        <p:spPr/>
-        <p:txBody>
-          <a:bodyPr/>
-          <a:lstStyle/>
-          <a:p>
-            <a:endParaRPr lang="ko-KR" altLang="en-US"/>
-          </a:p>
-        </p:txBody>
-      </p:sp>
-      <p:pic>
-        <p:nvPicPr>
-          <p:cNvPr id="15362" name="Picture 2"/>
-          <p:cNvPicPr>
-            <a:picLocks noChangeAspect="1" noChangeArrowheads="1"/>
-          </p:cNvPicPr>
-          <p:nvPr/>
-        </p:nvPicPr>
-        <p:blipFill>
-          <a:blip r:embed="rId2">
-            <a:extLst>
-              <a:ext uri="{28A0092B-C50C-407E-A947-70E740481C1C}">
-                <a14:useLocalDpi xmlns:a14="http://schemas.microsoft.com/office/drawing/2010/main" val="0"/>
-              </a:ext>
-            </a:extLst>
-          </a:blip>
-          <a:srcRect/>
-          <a:stretch>
-            <a:fillRect/>
-          </a:stretch>
-        </p:blipFill>
-        <p:spPr bwMode="auto">
-          <a:xfrm>
-            <a:off x="495300" y="657551"/>
-            <a:ext cx="8818102" cy="5975024"/>
-          </a:xfrm>
-          <a:prstGeom prst="rect">
-            <a:avLst/>
-          </a:prstGeom>
-          <a:noFill/>
-          <a:ln>
-            <a:noFill/>
-          </a:ln>
-          <a:extLst>
-            <a:ext uri="{909E8E84-426E-40DD-AFC4-6F175D3DCCD1}">
-              <a14:hiddenFill xmlns:a14="http://schemas.microsoft.com/office/drawing/2010/main">
-                <a:solidFill>
-                  <a:schemeClr val="accent1"/>
-                </a:solidFill>
-              </a14:hiddenFill>
-            </a:ext>
-            <a:ext uri="{91240B29-F687-4F45-9708-019B960494DF}">
-              <a14:hiddenLine xmlns:a14="http://schemas.microsoft.com/office/drawing/2010/main" w="9525">
-                <a:solidFill>
-                  <a:schemeClr val="tx1"/>
-                </a:solidFill>
-                <a:miter lim="800000"/>
-                <a:headEnd/>
-                <a:tailEnd/>
-              </a14:hiddenLine>
-            </a:ext>
-          </a:extLst>
-        </p:spPr>
-      </p:pic>
-    </p:spTree>
-    <p:extLst>
-      <p:ext uri="{BB962C8B-B14F-4D97-AF65-F5344CB8AC3E}">
-        <p14:creationId xmlns:p14="http://schemas.microsoft.com/office/powerpoint/2010/main" val="337124767"/>
-      </p:ext>
-    </p:extLst>
-  </p:cSld>
-  <p:clrMapOvr>
-    <a:masterClrMapping/>
-  </p:clrMapOvr>
-  <p:timing>
-    <p:tnLst>
-      <p:par>
-        <p:cTn id="1" dur="indefinite" restart="never" nodeType="tmRoot"/>
-      </p:par>
-    </p:tnLst>
-  </p:timing>
-</p:sld>
-</file>
-
-<file path=ppt/slides/slide11.xml><?xml version="1.0" encoding="utf-8"?>
-<p:sld xmlns:a="http://schemas.openxmlformats.org/drawingml/2006/main" xmlns:r="http://schemas.openxmlformats.org/officeDocument/2006/relationships" xmlns:p="http://schemas.openxmlformats.org/presentationml/2006/main">
-  <p:cSld>
-    <p:spTree>
-      <p:nvGrpSpPr>
-        <p:cNvPr id="1" name=""/>
-        <p:cNvGrpSpPr/>
-        <p:nvPr/>
-      </p:nvGrpSpPr>
-      <p:grpSpPr>
-        <a:xfrm>
-          <a:off x="0" y="0"/>
-          <a:ext cx="0" cy="0"/>
-          <a:chOff x="0" y="0"/>
-          <a:chExt cx="0" cy="0"/>
-        </a:xfrm>
-      </p:grpSpPr>
-      <p:sp>
-        <p:nvSpPr>
-          <p:cNvPr id="2" name="제목 1"/>
-          <p:cNvSpPr>
-            <a:spLocks noGrp="1"/>
-          </p:cNvSpPr>
-          <p:nvPr>
-            <p:ph type="title"/>
-          </p:nvPr>
-        </p:nvSpPr>
-        <p:spPr/>
-        <p:txBody>
           <a:bodyPr>
             <a:normAutofit/>
           </a:bodyPr>
@@ -17698,7 +17567,7 @@
 </p:sld>
 </file>
 
-<file path=ppt/slides/slide12.xml><?xml version="1.0" encoding="utf-8"?>
+<file path=ppt/slides/slide11.xml><?xml version="1.0" encoding="utf-8"?>
 <p:sld xmlns:a="http://schemas.openxmlformats.org/drawingml/2006/main" xmlns:r="http://schemas.openxmlformats.org/officeDocument/2006/relationships" xmlns:p="http://schemas.openxmlformats.org/presentationml/2006/main">
   <p:cSld>
     <p:spTree>
@@ -18003,7 +17872,7 @@
 </p:sld>
 </file>
 
-<file path=ppt/slides/slide13.xml><?xml version="1.0" encoding="utf-8"?>
+<file path=ppt/slides/slide12.xml><?xml version="1.0" encoding="utf-8"?>
 <p:sld xmlns:a="http://schemas.openxmlformats.org/drawingml/2006/main" xmlns:r="http://schemas.openxmlformats.org/officeDocument/2006/relationships" xmlns:p="http://schemas.openxmlformats.org/presentationml/2006/main">
   <p:cSld>
     <p:spTree>
@@ -18262,7 +18131,7 @@
 </p:sld>
 </file>
 
-<file path=ppt/slides/slide14.xml><?xml version="1.0" encoding="utf-8"?>
+<file path=ppt/slides/slide13.xml><?xml version="1.0" encoding="utf-8"?>
 <p:sld xmlns:a="http://schemas.openxmlformats.org/drawingml/2006/main" xmlns:r="http://schemas.openxmlformats.org/officeDocument/2006/relationships" xmlns:p="http://schemas.openxmlformats.org/presentationml/2006/main">
   <p:cSld>
     <p:spTree>
@@ -18383,7 +18252,7 @@
 </p:sld>
 </file>
 
-<file path=ppt/slides/slide15.xml><?xml version="1.0" encoding="utf-8"?>
+<file path=ppt/slides/slide14.xml><?xml version="1.0" encoding="utf-8"?>
 <p:sld xmlns:a="http://schemas.openxmlformats.org/drawingml/2006/main" xmlns:r="http://schemas.openxmlformats.org/officeDocument/2006/relationships" xmlns:p="http://schemas.openxmlformats.org/presentationml/2006/main">
   <p:cSld>
     <p:spTree>
@@ -18497,7 +18366,7 @@
 </p:sld>
 </file>
 
-<file path=ppt/slides/slide16.xml><?xml version="1.0" encoding="utf-8"?>
+<file path=ppt/slides/slide15.xml><?xml version="1.0" encoding="utf-8"?>
 <p:sld xmlns:a="http://schemas.openxmlformats.org/drawingml/2006/main" xmlns:r="http://schemas.openxmlformats.org/officeDocument/2006/relationships" xmlns:p="http://schemas.openxmlformats.org/presentationml/2006/main">
   <p:cSld>
     <p:spTree>
@@ -18700,7 +18569,7 @@
 </p:sld>
 </file>
 
-<file path=ppt/slides/slide17.xml><?xml version="1.0" encoding="utf-8"?>
+<file path=ppt/slides/slide16.xml><?xml version="1.0" encoding="utf-8"?>
 <p:sld xmlns:a="http://schemas.openxmlformats.org/drawingml/2006/main" xmlns:r="http://schemas.openxmlformats.org/officeDocument/2006/relationships" xmlns:p="http://schemas.openxmlformats.org/presentationml/2006/main">
   <p:cSld>
     <p:spTree>
@@ -18897,7 +18766,7 @@
 </p:sld>
 </file>
 
-<file path=ppt/slides/slide18.xml><?xml version="1.0" encoding="utf-8"?>
+<file path=ppt/slides/slide17.xml><?xml version="1.0" encoding="utf-8"?>
 <p:sld xmlns:a="http://schemas.openxmlformats.org/drawingml/2006/main" xmlns:r="http://schemas.openxmlformats.org/officeDocument/2006/relationships" xmlns:p="http://schemas.openxmlformats.org/presentationml/2006/main">
   <p:cSld>
     <p:spTree>
@@ -19133,7 +19002,7 @@
 </p:sld>
 </file>
 
-<file path=ppt/slides/slide19.xml><?xml version="1.0" encoding="utf-8"?>
+<file path=ppt/slides/slide18.xml><?xml version="1.0" encoding="utf-8"?>
 <p:sld xmlns:a="http://schemas.openxmlformats.org/drawingml/2006/main" xmlns:r="http://schemas.openxmlformats.org/officeDocument/2006/relationships" xmlns:p="http://schemas.openxmlformats.org/presentationml/2006/main">
   <p:cSld>
     <p:spTree>
@@ -19210,6 +19079,272 @@
 </p:sld>
 </file>
 
+<file path=ppt/slides/slide19.xml><?xml version="1.0" encoding="utf-8"?>
+<p:sld xmlns:a="http://schemas.openxmlformats.org/drawingml/2006/main" xmlns:r="http://schemas.openxmlformats.org/officeDocument/2006/relationships" xmlns:p="http://schemas.openxmlformats.org/presentationml/2006/main">
+  <p:cSld>
+    <p:spTree>
+      <p:nvGrpSpPr>
+        <p:cNvPr id="1" name=""/>
+        <p:cNvGrpSpPr/>
+        <p:nvPr/>
+      </p:nvGrpSpPr>
+      <p:grpSpPr>
+        <a:xfrm>
+          <a:off x="0" y="0"/>
+          <a:ext cx="0" cy="0"/>
+          <a:chOff x="0" y="0"/>
+          <a:chExt cx="0" cy="0"/>
+        </a:xfrm>
+      </p:grpSpPr>
+      <p:sp>
+        <p:nvSpPr>
+          <p:cNvPr id="2" name="제목 1"/>
+          <p:cNvSpPr>
+            <a:spLocks noGrp="1"/>
+          </p:cNvSpPr>
+          <p:nvPr>
+            <p:ph type="title"/>
+          </p:nvPr>
+        </p:nvSpPr>
+        <p:spPr/>
+        <p:txBody>
+          <a:bodyPr/>
+          <a:lstStyle/>
+          <a:p>
+            <a:r>
+              <a:rPr lang="en-US" altLang="ko-KR" dirty="0" smtClean="0"/>
+              <a:t>Wave Function Matching Hamiltonian</a:t>
+            </a:r>
+            <a:endParaRPr lang="ko-KR" altLang="en-US" dirty="0"/>
+          </a:p>
+        </p:txBody>
+      </p:sp>
+      <p:sp>
+        <p:nvSpPr>
+          <p:cNvPr id="6" name="TextBox 5"/>
+          <p:cNvSpPr txBox="1"/>
+          <p:nvPr/>
+        </p:nvSpPr>
+        <p:spPr>
+          <a:xfrm>
+            <a:off x="838367" y="1524000"/>
+            <a:ext cx="8229266" cy="3283206"/>
+          </a:xfrm>
+          <a:prstGeom prst="rect">
+            <a:avLst/>
+          </a:prstGeom>
+          <a:noFill/>
+        </p:spPr>
+        <p:txBody>
+          <a:bodyPr wrap="square" rtlCol="0">
+            <a:spAutoFit/>
+          </a:bodyPr>
+          <a:lstStyle/>
+          <a:p>
+            <a:pPr marL="342900" indent="-342900">
+              <a:buFont typeface="Arial" panose="020B0604020202020204" pitchFamily="34" charset="0"/>
+              <a:buChar char="•"/>
+            </a:pPr>
+            <a:r>
+              <a:rPr lang="en-US" altLang="ko-KR" dirty="0" smtClean="0"/>
+              <a:t>new Hamiltonian is not the same as original Hamiltonian</a:t>
+            </a:r>
+          </a:p>
+          <a:p>
+            <a:pPr marL="821819" lvl="1" indent="-342900">
+              <a:buFont typeface="Arial" panose="020B0604020202020204" pitchFamily="34" charset="0"/>
+              <a:buChar char="•"/>
+            </a:pPr>
+            <a:r>
+              <a:rPr lang="en-US" altLang="ko-KR" dirty="0" smtClean="0">
+                <a:sym typeface="Wingdings" panose="05000000000000000000" pitchFamily="2" charset="2"/>
+              </a:rPr>
+              <a:t>Naturally need correction terms </a:t>
+            </a:r>
+          </a:p>
+          <a:p>
+            <a:pPr marL="821819" lvl="1" indent="-342900">
+              <a:buFont typeface="Arial" panose="020B0604020202020204" pitchFamily="34" charset="0"/>
+              <a:buChar char="•"/>
+            </a:pPr>
+            <a:r>
+              <a:rPr lang="en-US" altLang="ko-KR" dirty="0" err="1" smtClean="0">
+                <a:sym typeface="Wingdings" panose="05000000000000000000" pitchFamily="2" charset="2"/>
+              </a:rPr>
+              <a:t>H_soft</a:t>
+            </a:r>
+            <a:r>
+              <a:rPr lang="en-US" altLang="ko-KR" dirty="0" smtClean="0">
+                <a:sym typeface="Wingdings" panose="05000000000000000000" pitchFamily="2" charset="2"/>
+              </a:rPr>
+              <a:t> has better property for non-perturbative calculation</a:t>
+            </a:r>
+          </a:p>
+          <a:p>
+            <a:pPr marL="821819" lvl="1" indent="-342900">
+              <a:buFont typeface="Arial" panose="020B0604020202020204" pitchFamily="34" charset="0"/>
+              <a:buChar char="•"/>
+            </a:pPr>
+            <a:r>
+              <a:rPr lang="en-US" altLang="ko-KR" dirty="0" smtClean="0">
+                <a:sym typeface="Wingdings" panose="05000000000000000000" pitchFamily="2" charset="2"/>
+              </a:rPr>
+              <a:t>Perturbative expansion for the corrections</a:t>
+            </a:r>
+          </a:p>
+          <a:p>
+            <a:pPr marL="821819" lvl="1" indent="-342900">
+              <a:buFont typeface="Arial" panose="020B0604020202020204" pitchFamily="34" charset="0"/>
+              <a:buChar char="•"/>
+            </a:pPr>
+            <a:r>
+              <a:rPr lang="en-US" altLang="ko-KR" dirty="0" smtClean="0">
+                <a:sym typeface="Wingdings" panose="05000000000000000000" pitchFamily="2" charset="2"/>
+              </a:rPr>
+              <a:t>No new LECs in 2-body interaction</a:t>
+            </a:r>
+          </a:p>
+          <a:p>
+            <a:pPr lvl="1"/>
+            <a:r>
+              <a:rPr lang="en-US" altLang="ko-KR" dirty="0">
+                <a:sym typeface="Wingdings" panose="05000000000000000000" pitchFamily="2" charset="2"/>
+              </a:rPr>
+              <a:t> </a:t>
+            </a:r>
+            <a:r>
+              <a:rPr lang="en-US" altLang="ko-KR" dirty="0" smtClean="0">
+                <a:sym typeface="Wingdings" panose="05000000000000000000" pitchFamily="2" charset="2"/>
+              </a:rPr>
+              <a:t>    (</a:t>
+            </a:r>
+            <a:r>
+              <a:rPr lang="en-US" altLang="ko-KR" dirty="0" err="1" smtClean="0">
+                <a:sym typeface="Wingdings" panose="05000000000000000000" pitchFamily="2" charset="2"/>
+              </a:rPr>
+              <a:t>H_soft</a:t>
+            </a:r>
+            <a:r>
+              <a:rPr lang="en-US" altLang="ko-KR" dirty="0" smtClean="0">
+                <a:sym typeface="Wingdings" panose="05000000000000000000" pitchFamily="2" charset="2"/>
+              </a:rPr>
+              <a:t> is a choice. </a:t>
+            </a:r>
+            <a:r>
+              <a:rPr lang="en-US" altLang="ko-KR" dirty="0" err="1">
+                <a:sym typeface="Wingdings" panose="05000000000000000000" pitchFamily="2" charset="2"/>
+              </a:rPr>
+              <a:t>U^dagger</a:t>
+            </a:r>
+            <a:r>
+              <a:rPr lang="en-US" altLang="ko-KR" dirty="0">
+                <a:sym typeface="Wingdings" panose="05000000000000000000" pitchFamily="2" charset="2"/>
+              </a:rPr>
+              <a:t> H </a:t>
+            </a:r>
+            <a:r>
+              <a:rPr lang="en-US" altLang="ko-KR" dirty="0" smtClean="0">
+                <a:sym typeface="Wingdings" panose="05000000000000000000" pitchFamily="2" charset="2"/>
+              </a:rPr>
+              <a:t>U is computable for 2-body.)</a:t>
+            </a:r>
+          </a:p>
+          <a:p>
+            <a:pPr marL="821819" lvl="1" indent="-342900">
+              <a:buFont typeface="Arial" panose="020B0604020202020204" pitchFamily="34" charset="0"/>
+              <a:buChar char="•"/>
+            </a:pPr>
+            <a:r>
+              <a:rPr lang="en-US" altLang="ko-KR" dirty="0" smtClean="0">
+                <a:solidFill>
+                  <a:srgbClr val="FF0000"/>
+                </a:solidFill>
+                <a:sym typeface="Wingdings" panose="05000000000000000000" pitchFamily="2" charset="2"/>
+              </a:rPr>
+              <a:t>Drawback </a:t>
+            </a:r>
+            <a:r>
+              <a:rPr lang="en-US" altLang="ko-KR" dirty="0" smtClean="0">
+                <a:sym typeface="Wingdings" panose="05000000000000000000" pitchFamily="2" charset="2"/>
+              </a:rPr>
+              <a:t>: Induces many body interactions</a:t>
+            </a:r>
+          </a:p>
+          <a:p>
+            <a:pPr marL="1300738" lvl="2" indent="-342900">
+              <a:buFont typeface="Arial" panose="020B0604020202020204" pitchFamily="34" charset="0"/>
+              <a:buChar char="•"/>
+            </a:pPr>
+            <a:r>
+              <a:rPr lang="en-US" altLang="ko-KR" dirty="0" smtClean="0">
+                <a:sym typeface="Wingdings" panose="05000000000000000000" pitchFamily="2" charset="2"/>
+              </a:rPr>
+              <a:t>In principle, one may compute the induced many-body interactions</a:t>
+            </a:r>
+          </a:p>
+          <a:p>
+            <a:pPr marL="1300738" lvl="2" indent="-342900">
+              <a:buFont typeface="Arial" panose="020B0604020202020204" pitchFamily="34" charset="0"/>
+              <a:buChar char="•"/>
+            </a:pPr>
+            <a:r>
+              <a:rPr lang="en-US" altLang="ko-KR" dirty="0" smtClean="0">
+                <a:sym typeface="Wingdings" panose="05000000000000000000" pitchFamily="2" charset="2"/>
+              </a:rPr>
+              <a:t>In practice, highly non-trivial.</a:t>
+            </a:r>
+          </a:p>
+          <a:p>
+            <a:pPr marL="1300738" lvl="2" indent="-342900">
+              <a:buFont typeface="Arial" panose="020B0604020202020204" pitchFamily="34" charset="0"/>
+              <a:buChar char="•"/>
+            </a:pPr>
+            <a:r>
+              <a:rPr lang="en-US" altLang="ko-KR" dirty="0" smtClean="0">
+                <a:sym typeface="Wingdings" panose="05000000000000000000" pitchFamily="2" charset="2"/>
+              </a:rPr>
+              <a:t> introduce additional 3-body interactions and fit them. </a:t>
+            </a:r>
+          </a:p>
+        </p:txBody>
+      </p:sp>
+      <p:pic>
+        <p:nvPicPr>
+          <p:cNvPr id="4" name="그림 3"/>
+          <p:cNvPicPr>
+            <a:picLocks noChangeAspect="1"/>
+          </p:cNvPicPr>
+          <p:nvPr/>
+        </p:nvPicPr>
+        <p:blipFill>
+          <a:blip r:embed="rId2"/>
+          <a:stretch>
+            <a:fillRect/>
+          </a:stretch>
+        </p:blipFill>
+        <p:spPr>
+          <a:xfrm>
+            <a:off x="1482453" y="5044532"/>
+            <a:ext cx="5032647" cy="1299824"/>
+          </a:xfrm>
+          <a:prstGeom prst="rect">
+            <a:avLst/>
+          </a:prstGeom>
+        </p:spPr>
+      </p:pic>
+    </p:spTree>
+    <p:extLst>
+      <p:ext uri="{BB962C8B-B14F-4D97-AF65-F5344CB8AC3E}">
+        <p14:creationId xmlns:p14="http://schemas.microsoft.com/office/powerpoint/2010/main" val="4074736718"/>
+      </p:ext>
+    </p:extLst>
+  </p:cSld>
+  <p:clrMapOvr>
+    <a:masterClrMapping/>
+  </p:clrMapOvr>
+</p:sld>
+</file>
+
 <file path=ppt/slides/slide2.xml><?xml version="1.0" encoding="utf-8"?>
 <p:sld xmlns:a="http://schemas.openxmlformats.org/drawingml/2006/main" xmlns:r="http://schemas.openxmlformats.org/officeDocument/2006/relationships" xmlns:p="http://schemas.openxmlformats.org/presentationml/2006/main">
   <p:cSld>
@@ -19522,272 +19657,6 @@
           <a:p>
             <a:r>
               <a:rPr lang="en-US" altLang="ko-KR" dirty="0" smtClean="0"/>
-              <a:t>Wave Function Matching Hamiltonian</a:t>
-            </a:r>
-            <a:endParaRPr lang="ko-KR" altLang="en-US" dirty="0"/>
-          </a:p>
-        </p:txBody>
-      </p:sp>
-      <p:sp>
-        <p:nvSpPr>
-          <p:cNvPr id="6" name="TextBox 5"/>
-          <p:cNvSpPr txBox="1"/>
-          <p:nvPr/>
-        </p:nvSpPr>
-        <p:spPr>
-          <a:xfrm>
-            <a:off x="838367" y="1524000"/>
-            <a:ext cx="8229266" cy="3283206"/>
-          </a:xfrm>
-          <a:prstGeom prst="rect">
-            <a:avLst/>
-          </a:prstGeom>
-          <a:noFill/>
-        </p:spPr>
-        <p:txBody>
-          <a:bodyPr wrap="square" rtlCol="0">
-            <a:spAutoFit/>
-          </a:bodyPr>
-          <a:lstStyle/>
-          <a:p>
-            <a:pPr marL="342900" indent="-342900">
-              <a:buFont typeface="Arial" panose="020B0604020202020204" pitchFamily="34" charset="0"/>
-              <a:buChar char="•"/>
-            </a:pPr>
-            <a:r>
-              <a:rPr lang="en-US" altLang="ko-KR" dirty="0" smtClean="0"/>
-              <a:t>new Hamiltonian is not the same as original Hamiltonian</a:t>
-            </a:r>
-          </a:p>
-          <a:p>
-            <a:pPr marL="821819" lvl="1" indent="-342900">
-              <a:buFont typeface="Arial" panose="020B0604020202020204" pitchFamily="34" charset="0"/>
-              <a:buChar char="•"/>
-            </a:pPr>
-            <a:r>
-              <a:rPr lang="en-US" altLang="ko-KR" dirty="0" smtClean="0">
-                <a:sym typeface="Wingdings" panose="05000000000000000000" pitchFamily="2" charset="2"/>
-              </a:rPr>
-              <a:t>Naturally need correction terms </a:t>
-            </a:r>
-          </a:p>
-          <a:p>
-            <a:pPr marL="821819" lvl="1" indent="-342900">
-              <a:buFont typeface="Arial" panose="020B0604020202020204" pitchFamily="34" charset="0"/>
-              <a:buChar char="•"/>
-            </a:pPr>
-            <a:r>
-              <a:rPr lang="en-US" altLang="ko-KR" dirty="0" err="1" smtClean="0">
-                <a:sym typeface="Wingdings" panose="05000000000000000000" pitchFamily="2" charset="2"/>
-              </a:rPr>
-              <a:t>H_soft</a:t>
-            </a:r>
-            <a:r>
-              <a:rPr lang="en-US" altLang="ko-KR" dirty="0" smtClean="0">
-                <a:sym typeface="Wingdings" panose="05000000000000000000" pitchFamily="2" charset="2"/>
-              </a:rPr>
-              <a:t> has better property for non-perturbative calculation</a:t>
-            </a:r>
-          </a:p>
-          <a:p>
-            <a:pPr marL="821819" lvl="1" indent="-342900">
-              <a:buFont typeface="Arial" panose="020B0604020202020204" pitchFamily="34" charset="0"/>
-              <a:buChar char="•"/>
-            </a:pPr>
-            <a:r>
-              <a:rPr lang="en-US" altLang="ko-KR" dirty="0" smtClean="0">
-                <a:sym typeface="Wingdings" panose="05000000000000000000" pitchFamily="2" charset="2"/>
-              </a:rPr>
-              <a:t>Perturbative expansion for the corrections</a:t>
-            </a:r>
-          </a:p>
-          <a:p>
-            <a:pPr marL="821819" lvl="1" indent="-342900">
-              <a:buFont typeface="Arial" panose="020B0604020202020204" pitchFamily="34" charset="0"/>
-              <a:buChar char="•"/>
-            </a:pPr>
-            <a:r>
-              <a:rPr lang="en-US" altLang="ko-KR" dirty="0" smtClean="0">
-                <a:sym typeface="Wingdings" panose="05000000000000000000" pitchFamily="2" charset="2"/>
-              </a:rPr>
-              <a:t>No new LECs in 2-body interaction</a:t>
-            </a:r>
-          </a:p>
-          <a:p>
-            <a:pPr lvl="1"/>
-            <a:r>
-              <a:rPr lang="en-US" altLang="ko-KR" dirty="0">
-                <a:sym typeface="Wingdings" panose="05000000000000000000" pitchFamily="2" charset="2"/>
-              </a:rPr>
-              <a:t> </a:t>
-            </a:r>
-            <a:r>
-              <a:rPr lang="en-US" altLang="ko-KR" dirty="0" smtClean="0">
-                <a:sym typeface="Wingdings" panose="05000000000000000000" pitchFamily="2" charset="2"/>
-              </a:rPr>
-              <a:t>    (</a:t>
-            </a:r>
-            <a:r>
-              <a:rPr lang="en-US" altLang="ko-KR" dirty="0" err="1" smtClean="0">
-                <a:sym typeface="Wingdings" panose="05000000000000000000" pitchFamily="2" charset="2"/>
-              </a:rPr>
-              <a:t>H_soft</a:t>
-            </a:r>
-            <a:r>
-              <a:rPr lang="en-US" altLang="ko-KR" dirty="0" smtClean="0">
-                <a:sym typeface="Wingdings" panose="05000000000000000000" pitchFamily="2" charset="2"/>
-              </a:rPr>
-              <a:t> is a choice. </a:t>
-            </a:r>
-            <a:r>
-              <a:rPr lang="en-US" altLang="ko-KR" dirty="0" err="1">
-                <a:sym typeface="Wingdings" panose="05000000000000000000" pitchFamily="2" charset="2"/>
-              </a:rPr>
-              <a:t>U^dagger</a:t>
-            </a:r>
-            <a:r>
-              <a:rPr lang="en-US" altLang="ko-KR" dirty="0">
-                <a:sym typeface="Wingdings" panose="05000000000000000000" pitchFamily="2" charset="2"/>
-              </a:rPr>
-              <a:t> H </a:t>
-            </a:r>
-            <a:r>
-              <a:rPr lang="en-US" altLang="ko-KR" dirty="0" smtClean="0">
-                <a:sym typeface="Wingdings" panose="05000000000000000000" pitchFamily="2" charset="2"/>
-              </a:rPr>
-              <a:t>U is computable for 2-body.)</a:t>
-            </a:r>
-          </a:p>
-          <a:p>
-            <a:pPr marL="821819" lvl="1" indent="-342900">
-              <a:buFont typeface="Arial" panose="020B0604020202020204" pitchFamily="34" charset="0"/>
-              <a:buChar char="•"/>
-            </a:pPr>
-            <a:r>
-              <a:rPr lang="en-US" altLang="ko-KR" dirty="0" smtClean="0">
-                <a:solidFill>
-                  <a:srgbClr val="FF0000"/>
-                </a:solidFill>
-                <a:sym typeface="Wingdings" panose="05000000000000000000" pitchFamily="2" charset="2"/>
-              </a:rPr>
-              <a:t>Drawback </a:t>
-            </a:r>
-            <a:r>
-              <a:rPr lang="en-US" altLang="ko-KR" dirty="0" smtClean="0">
-                <a:sym typeface="Wingdings" panose="05000000000000000000" pitchFamily="2" charset="2"/>
-              </a:rPr>
-              <a:t>: Induces many body interactions</a:t>
-            </a:r>
-          </a:p>
-          <a:p>
-            <a:pPr marL="1300738" lvl="2" indent="-342900">
-              <a:buFont typeface="Arial" panose="020B0604020202020204" pitchFamily="34" charset="0"/>
-              <a:buChar char="•"/>
-            </a:pPr>
-            <a:r>
-              <a:rPr lang="en-US" altLang="ko-KR" dirty="0" smtClean="0">
-                <a:sym typeface="Wingdings" panose="05000000000000000000" pitchFamily="2" charset="2"/>
-              </a:rPr>
-              <a:t>In principle, one may compute the induced many-body interactions</a:t>
-            </a:r>
-          </a:p>
-          <a:p>
-            <a:pPr marL="1300738" lvl="2" indent="-342900">
-              <a:buFont typeface="Arial" panose="020B0604020202020204" pitchFamily="34" charset="0"/>
-              <a:buChar char="•"/>
-            </a:pPr>
-            <a:r>
-              <a:rPr lang="en-US" altLang="ko-KR" dirty="0" smtClean="0">
-                <a:sym typeface="Wingdings" panose="05000000000000000000" pitchFamily="2" charset="2"/>
-              </a:rPr>
-              <a:t>In practice, highly non-trivial.</a:t>
-            </a:r>
-          </a:p>
-          <a:p>
-            <a:pPr marL="1300738" lvl="2" indent="-342900">
-              <a:buFont typeface="Arial" panose="020B0604020202020204" pitchFamily="34" charset="0"/>
-              <a:buChar char="•"/>
-            </a:pPr>
-            <a:r>
-              <a:rPr lang="en-US" altLang="ko-KR" dirty="0" smtClean="0">
-                <a:sym typeface="Wingdings" panose="05000000000000000000" pitchFamily="2" charset="2"/>
-              </a:rPr>
-              <a:t> introduce additional 3-body interactions and fit them. </a:t>
-            </a:r>
-          </a:p>
-        </p:txBody>
-      </p:sp>
-      <p:pic>
-        <p:nvPicPr>
-          <p:cNvPr id="4" name="그림 3"/>
-          <p:cNvPicPr>
-            <a:picLocks noChangeAspect="1"/>
-          </p:cNvPicPr>
-          <p:nvPr/>
-        </p:nvPicPr>
-        <p:blipFill>
-          <a:blip r:embed="rId2"/>
-          <a:stretch>
-            <a:fillRect/>
-          </a:stretch>
-        </p:blipFill>
-        <p:spPr>
-          <a:xfrm>
-            <a:off x="1482453" y="5044532"/>
-            <a:ext cx="5032647" cy="1299824"/>
-          </a:xfrm>
-          <a:prstGeom prst="rect">
-            <a:avLst/>
-          </a:prstGeom>
-        </p:spPr>
-      </p:pic>
-    </p:spTree>
-    <p:extLst>
-      <p:ext uri="{BB962C8B-B14F-4D97-AF65-F5344CB8AC3E}">
-        <p14:creationId xmlns:p14="http://schemas.microsoft.com/office/powerpoint/2010/main" val="4074736718"/>
-      </p:ext>
-    </p:extLst>
-  </p:cSld>
-  <p:clrMapOvr>
-    <a:masterClrMapping/>
-  </p:clrMapOvr>
-</p:sld>
-</file>
-
-<file path=ppt/slides/slide21.xml><?xml version="1.0" encoding="utf-8"?>
-<p:sld xmlns:a="http://schemas.openxmlformats.org/drawingml/2006/main" xmlns:r="http://schemas.openxmlformats.org/officeDocument/2006/relationships" xmlns:p="http://schemas.openxmlformats.org/presentationml/2006/main">
-  <p:cSld>
-    <p:spTree>
-      <p:nvGrpSpPr>
-        <p:cNvPr id="1" name=""/>
-        <p:cNvGrpSpPr/>
-        <p:nvPr/>
-      </p:nvGrpSpPr>
-      <p:grpSpPr>
-        <a:xfrm>
-          <a:off x="0" y="0"/>
-          <a:ext cx="0" cy="0"/>
-          <a:chOff x="0" y="0"/>
-          <a:chExt cx="0" cy="0"/>
-        </a:xfrm>
-      </p:grpSpPr>
-      <p:sp>
-        <p:nvSpPr>
-          <p:cNvPr id="2" name="제목 1"/>
-          <p:cNvSpPr>
-            <a:spLocks noGrp="1"/>
-          </p:cNvSpPr>
-          <p:nvPr>
-            <p:ph type="title"/>
-          </p:nvPr>
-        </p:nvSpPr>
-        <p:spPr/>
-        <p:txBody>
-          <a:bodyPr/>
-          <a:lstStyle/>
-          <a:p>
-            <a:r>
-              <a:rPr lang="en-US" altLang="ko-KR" dirty="0" smtClean="0"/>
               <a:t>Three-body force</a:t>
             </a:r>
             <a:endParaRPr lang="ko-KR" altLang="en-US" dirty="0"/>
@@ -19931,7 +19800,7 @@
 </p:sld>
 </file>
 
-<file path=ppt/slides/slide22.xml><?xml version="1.0" encoding="utf-8"?>
+<file path=ppt/slides/slide21.xml><?xml version="1.0" encoding="utf-8"?>
 <p:sld xmlns:a="http://schemas.openxmlformats.org/drawingml/2006/main" xmlns:r="http://schemas.openxmlformats.org/officeDocument/2006/relationships" xmlns:p="http://schemas.openxmlformats.org/presentationml/2006/main">
   <p:cSld>
     <p:spTree>
@@ -20008,7 +19877,7 @@
 </p:sld>
 </file>
 
-<file path=ppt/slides/slide23.xml><?xml version="1.0" encoding="utf-8"?>
+<file path=ppt/slides/slide22.xml><?xml version="1.0" encoding="utf-8"?>
 <p:sld xmlns:a="http://schemas.openxmlformats.org/drawingml/2006/main" xmlns:r="http://schemas.openxmlformats.org/officeDocument/2006/relationships" xmlns:p="http://schemas.openxmlformats.org/presentationml/2006/main">
   <p:cSld>
     <p:spTree>
@@ -20140,7 +20009,7 @@
 </p:sld>
 </file>
 
-<file path=ppt/slides/slide24.xml><?xml version="1.0" encoding="utf-8"?>
+<file path=ppt/slides/slide23.xml><?xml version="1.0" encoding="utf-8"?>
 <p:sld xmlns:a="http://schemas.openxmlformats.org/drawingml/2006/main" xmlns:r="http://schemas.openxmlformats.org/officeDocument/2006/relationships" xmlns:p="http://schemas.openxmlformats.org/presentationml/2006/main">
   <p:cSld>
     <p:spTree>
@@ -20296,7 +20165,7 @@
 </p:sld>
 </file>
 
-<file path=ppt/slides/slide25.xml><?xml version="1.0" encoding="utf-8"?>
+<file path=ppt/slides/slide24.xml><?xml version="1.0" encoding="utf-8"?>
 <p:sld xmlns:a="http://schemas.openxmlformats.org/drawingml/2006/main" xmlns:r="http://schemas.openxmlformats.org/officeDocument/2006/relationships" xmlns:p="http://schemas.openxmlformats.org/presentationml/2006/main">
   <p:cSld>
     <p:spTree>
@@ -20352,7 +20221,7 @@
         </p:blipFill>
         <p:spPr>
           <a:xfrm>
-            <a:off x="495300" y="3109187"/>
+            <a:off x="495300" y="3146883"/>
             <a:ext cx="4791744" cy="3134162"/>
           </a:xfrm>
           <a:prstGeom prst="rect">
@@ -20452,7 +20321,7 @@
 </p:sld>
 </file>
 
-<file path=ppt/slides/slide26.xml><?xml version="1.0" encoding="utf-8"?>
+<file path=ppt/slides/slide25.xml><?xml version="1.0" encoding="utf-8"?>
 <p:sld xmlns:a="http://schemas.openxmlformats.org/drawingml/2006/main" xmlns:r="http://schemas.openxmlformats.org/officeDocument/2006/relationships" xmlns:p="http://schemas.openxmlformats.org/presentationml/2006/main">
   <p:cSld>
     <p:spTree>
@@ -20651,7 +20520,7 @@
 </p:sld>
 </file>
 
-<file path=ppt/slides/slide27.xml><?xml version="1.0" encoding="utf-8"?>
+<file path=ppt/slides/slide26.xml><?xml version="1.0" encoding="utf-8"?>
 <p:sld xmlns:a="http://schemas.openxmlformats.org/drawingml/2006/main" xmlns:r="http://schemas.openxmlformats.org/officeDocument/2006/relationships" xmlns:p="http://schemas.openxmlformats.org/presentationml/2006/main">
   <p:cSld>
     <p:spTree>
@@ -20838,7 +20707,7 @@
 </p:sld>
 </file>
 
-<file path=ppt/slides/slide28.xml><?xml version="1.0" encoding="utf-8"?>
+<file path=ppt/slides/slide27.xml><?xml version="1.0" encoding="utf-8"?>
 <p:sld xmlns:a="http://schemas.openxmlformats.org/drawingml/2006/main" xmlns:r="http://schemas.openxmlformats.org/officeDocument/2006/relationships" xmlns:p="http://schemas.openxmlformats.org/presentationml/2006/main">
   <p:cSld>
     <p:spTree>
